--- a/PPT/PythonOO00-Intro.pptx
+++ b/PPT/PythonOO00-Intro.pptx
@@ -3824,8 +3824,13 @@
           <a:p>
             <a:r>
               <a:rPr lang="fr-FR" dirty="0"/>
-              <a:t>https://github.com/cyrilvincent/python-advanced</a:t>
-            </a:r>
+              <a:t>https://github.com/</a:t>
+            </a:r>
+            <a:r>
+              <a:rPr lang="fr-FR"/>
+              <a:t>cyrilvincent/oo</a:t>
+            </a:r>
+            <a:endParaRPr lang="fr-FR" dirty="0"/>
           </a:p>
         </p:txBody>
       </p:sp>
